--- a/Week2.pptx
+++ b/Week2.pptx
@@ -9,11 +9,9 @@
     <p:sldId id="261" r:id="rId3"/>
     <p:sldId id="263" r:id="rId4"/>
     <p:sldId id="257" r:id="rId5"/>
-    <p:sldId id="264" r:id="rId6"/>
-    <p:sldId id="262" r:id="rId7"/>
-    <p:sldId id="258" r:id="rId8"/>
-    <p:sldId id="259" r:id="rId9"/>
-    <p:sldId id="260" r:id="rId10"/>
+    <p:sldId id="262" r:id="rId6"/>
+    <p:sldId id="258" r:id="rId7"/>
+    <p:sldId id="264" r:id="rId8"/>
   </p:sldIdLst>
   <p:sldSz cx="12192000" cy="6858000"/>
   <p:notesSz cx="6858000" cy="9144000"/>
@@ -215,7 +213,7 @@
           <a:effectLst/>
           <a:extLst>
             <a:ext uri="{91240B29-F687-4f45-9708-019B960494DF}">
-              <a14:hiddenLine xmlns="" xmlns:a14="http://schemas.microsoft.com/office/drawing/2010/main" w="9525">
+              <a14:hiddenLine xmlns:a14="http://schemas.microsoft.com/office/drawing/2010/main" xmlns="" w="9525">
                 <a:solidFill>
                   <a:srgbClr val="000000"/>
                 </a:solidFill>
@@ -408,7 +406,7 @@
             <a:fld id="{08B9EBBA-996F-894A-B54A-D6246ED52CEA}" type="datetimeFigureOut">
               <a:rPr lang="en-US" dirty="0"/>
               <a:pPr/>
-              <a:t>4/12/2016</a:t>
+              <a:t>4/14/2016</a:t>
             </a:fld>
             <a:endParaRPr lang="en-US" dirty="0"/>
           </a:p>
@@ -723,7 +721,7 @@
             <a:fld id="{18C79C5D-2A6F-F04D-97DA-BEF2467B64E4}" type="datetimeFigureOut">
               <a:rPr lang="en-US" dirty="0"/>
               <a:pPr/>
-              <a:t>4/12/2016</a:t>
+              <a:t>4/14/2016</a:t>
             </a:fld>
             <a:endParaRPr lang="en-US" dirty="0"/>
           </a:p>
@@ -1208,7 +1206,7 @@
             <a:fld id="{8DFA1846-DA80-1C48-A609-854EA85C59AD}" type="datetimeFigureOut">
               <a:rPr lang="en-US" dirty="0"/>
               <a:pPr/>
-              <a:t>4/12/2016</a:t>
+              <a:t>4/14/2016</a:t>
             </a:fld>
             <a:endParaRPr lang="en-US" dirty="0"/>
           </a:p>
@@ -1574,7 +1572,7 @@
             <a:fld id="{FBF54567-0DE4-3F47-BF90-CB84690072F9}" type="datetimeFigureOut">
               <a:rPr lang="en-US" dirty="0"/>
               <a:pPr/>
-              <a:t>4/12/2016</a:t>
+              <a:t>4/14/2016</a:t>
             </a:fld>
             <a:endParaRPr lang="en-US" dirty="0"/>
           </a:p>
@@ -1725,7 +1723,7 @@
           <a:ln/>
           <a:extLst>
             <a:ext uri="{91240B29-F687-4f45-9708-019B960494DF}">
-              <a14:hiddenLine xmlns="" xmlns:a14="http://schemas.microsoft.com/office/drawing/2010/main" w="9525">
+              <a14:hiddenLine xmlns:a14="http://schemas.microsoft.com/office/drawing/2010/main" xmlns="" w="9525">
                 <a:solidFill>
                   <a:srgbClr val="000000"/>
                 </a:solidFill>
@@ -1844,7 +1842,7 @@
             <a:fld id="{C6C52C72-DE31-F449-A4ED-4C594FD91407}" type="datetimeFigureOut">
               <a:rPr lang="en-US" dirty="0"/>
               <a:pPr/>
-              <a:t>4/12/2016</a:t>
+              <a:t>4/14/2016</a:t>
             </a:fld>
             <a:endParaRPr lang="en-US" dirty="0"/>
           </a:p>
@@ -1997,7 +1995,7 @@
           <a:ln/>
           <a:extLst>
             <a:ext uri="{91240B29-F687-4f45-9708-019B960494DF}">
-              <a14:hiddenLine xmlns="" xmlns:a14="http://schemas.microsoft.com/office/drawing/2010/main" w="9525">
+              <a14:hiddenLine xmlns:a14="http://schemas.microsoft.com/office/drawing/2010/main" xmlns="" w="9525">
                 <a:solidFill>
                   <a:srgbClr val="000000"/>
                 </a:solidFill>
@@ -2126,7 +2124,7 @@
             <a:fld id="{ED62726E-379B-B349-9EED-81ED093FA806}" type="datetimeFigureOut">
               <a:rPr lang="en-US" dirty="0"/>
               <a:pPr/>
-              <a:t>4/12/2016</a:t>
+              <a:t>4/14/2016</a:t>
             </a:fld>
             <a:endParaRPr lang="en-US" dirty="0"/>
           </a:p>
@@ -2277,7 +2275,7 @@
           <a:ln/>
           <a:extLst>
             <a:ext uri="{91240B29-F687-4f45-9708-019B960494DF}">
-              <a14:hiddenLine xmlns="" xmlns:a14="http://schemas.microsoft.com/office/drawing/2010/main" w="9525">
+              <a14:hiddenLine xmlns:a14="http://schemas.microsoft.com/office/drawing/2010/main" xmlns="" w="9525">
                 <a:solidFill>
                   <a:srgbClr val="000000"/>
                 </a:solidFill>
@@ -2406,7 +2404,7 @@
             <a:fld id="{9B3A1323-8D79-1946-B0D7-40001CF92E9D}" type="datetimeFigureOut">
               <a:rPr lang="en-US" dirty="0"/>
               <a:pPr/>
-              <a:t>4/12/2016</a:t>
+              <a:t>4/14/2016</a:t>
             </a:fld>
             <a:endParaRPr lang="en-US" dirty="0"/>
           </a:p>
@@ -2746,7 +2744,7 @@
             <a:fld id="{8DFA1846-DA80-1C48-A609-854EA85C59AD}" type="datetimeFigureOut">
               <a:rPr lang="en-US" dirty="0"/>
               <a:pPr/>
-              <a:t>4/12/2016</a:t>
+              <a:t>4/14/2016</a:t>
             </a:fld>
             <a:endParaRPr lang="en-US" dirty="0"/>
           </a:p>
@@ -2897,7 +2895,7 @@
           <a:ln/>
           <a:extLst>
             <a:ext uri="{91240B29-F687-4f45-9708-019B960494DF}">
-              <a14:hiddenLine xmlns="" xmlns:a14="http://schemas.microsoft.com/office/drawing/2010/main" w="9525">
+              <a14:hiddenLine xmlns:a14="http://schemas.microsoft.com/office/drawing/2010/main" xmlns="" w="9525">
                 <a:solidFill>
                   <a:srgbClr val="000000"/>
                 </a:solidFill>
@@ -3082,7 +3080,7 @@
             <a:fld id="{57302355-E14B-8545-A8F8-0FE83CC9D524}" type="datetimeFigureOut">
               <a:rPr lang="en-US" dirty="0"/>
               <a:pPr/>
-              <a:t>4/12/2016</a:t>
+              <a:t>4/14/2016</a:t>
             </a:fld>
             <a:endParaRPr lang="en-US" dirty="0"/>
           </a:p>
@@ -3233,7 +3231,7 @@
           <a:ln/>
           <a:extLst>
             <a:ext uri="{91240B29-F687-4f45-9708-019B960494DF}">
-              <a14:hiddenLine xmlns="" xmlns:a14="http://schemas.microsoft.com/office/drawing/2010/main" w="9525">
+              <a14:hiddenLine xmlns:a14="http://schemas.microsoft.com/office/drawing/2010/main" xmlns="" w="9525">
                 <a:solidFill>
                   <a:srgbClr val="000000"/>
                 </a:solidFill>
@@ -3556,7 +3554,7 @@
             <a:fld id="{02640F58-564D-2B4F-AE67-E407BA4FCF45}" type="datetimeFigureOut">
               <a:rPr lang="en-US" dirty="0"/>
               <a:pPr/>
-              <a:t>4/12/2016</a:t>
+              <a:t>4/14/2016</a:t>
             </a:fld>
             <a:endParaRPr lang="en-US" dirty="0"/>
           </a:p>
@@ -3707,7 +3705,7 @@
           <a:ln/>
           <a:extLst>
             <a:ext uri="{91240B29-F687-4f45-9708-019B960494DF}">
-              <a14:hiddenLine xmlns="" xmlns:a14="http://schemas.microsoft.com/office/drawing/2010/main" w="9525">
+              <a14:hiddenLine xmlns:a14="http://schemas.microsoft.com/office/drawing/2010/main" xmlns="" w="9525">
                 <a:solidFill>
                   <a:srgbClr val="000000"/>
                 </a:solidFill>
@@ -3774,7 +3772,7 @@
             <a:fld id="{F13A34C8-038E-2045-AF43-DF7DBB8E0E9E}" type="datetimeFigureOut">
               <a:rPr lang="en-US" dirty="0"/>
               <a:pPr/>
-              <a:t>4/12/2016</a:t>
+              <a:t>4/14/2016</a:t>
             </a:fld>
             <a:endParaRPr lang="en-US" dirty="0"/>
           </a:p>
@@ -3866,7 +3864,7 @@
             <a:fld id="{8818C68F-D26B-8F47-958C-23B49CF8A634}" type="datetimeFigureOut">
               <a:rPr lang="en-US" dirty="0"/>
               <a:pPr/>
-              <a:t>4/12/2016</a:t>
+              <a:t>4/14/2016</a:t>
             </a:fld>
             <a:endParaRPr lang="en-US" dirty="0"/>
           </a:p>
@@ -4130,7 +4128,7 @@
           <a:ln/>
           <a:extLst>
             <a:ext uri="{91240B29-F687-4f45-9708-019B960494DF}">
-              <a14:hiddenLine xmlns="" xmlns:a14="http://schemas.microsoft.com/office/drawing/2010/main" w="9525">
+              <a14:hiddenLine xmlns:a14="http://schemas.microsoft.com/office/drawing/2010/main" xmlns="" w="9525">
                 <a:solidFill>
                   <a:srgbClr val="000000"/>
                 </a:solidFill>
@@ -4330,7 +4328,7 @@
             <a:fld id="{D0DF5E60-9974-AC48-9591-99C2BB44B7CF}" type="datetimeFigureOut">
               <a:rPr lang="en-US" dirty="0"/>
               <a:pPr/>
-              <a:t>4/12/2016</a:t>
+              <a:t>4/14/2016</a:t>
             </a:fld>
             <a:endParaRPr lang="en-US" dirty="0"/>
           </a:p>
@@ -4640,7 +4638,7 @@
             <a:fld id="{18C79C5D-2A6F-F04D-97DA-BEF2467B64E4}" type="datetimeFigureOut">
               <a:rPr lang="en-US" dirty="0"/>
               <a:pPr/>
-              <a:t>4/12/2016</a:t>
+              <a:t>4/14/2016</a:t>
             </a:fld>
             <a:endParaRPr lang="en-US" dirty="0"/>
           </a:p>
@@ -4907,7 +4905,7 @@
             <a:fld id="{09B482E8-6E0E-1B4F-B1FD-C69DB9E858D9}" type="datetimeFigureOut">
               <a:rPr lang="en-US" dirty="0"/>
               <a:pPr/>
-              <a:t>4/12/2016</a:t>
+              <a:t>4/14/2016</a:t>
             </a:fld>
             <a:endParaRPr lang="en-US" dirty="0"/>
           </a:p>
@@ -5409,19 +5407,11 @@
             </a:r>
             <a:r>
               <a:rPr lang="en-US" sz="3200" dirty="0" err="1" smtClean="0"/>
-              <a:t>Everstov</a:t>
-            </a:r>
-            <a:r>
-              <a:rPr lang="en-US" sz="3200" dirty="0" err="1" smtClean="0"/>
-              <a:t>a</a:t>
+              <a:t>Everstova</a:t>
             </a:r>
             <a:r>
               <a:rPr lang="en-US" sz="3200" dirty="0" smtClean="0"/>
-              <a:t>                                            </a:t>
-            </a:r>
-            <a:r>
-              <a:rPr lang="en-US" sz="3200" dirty="0" smtClean="0"/>
-              <a:t>Michael Denis</a:t>
+              <a:t>                                            Michael Denis</a:t>
             </a:r>
             <a:r>
               <a:rPr lang="en-US" sz="3200" dirty="0"/>
@@ -5429,11 +5419,7 @@
             </a:r>
             <a:r>
               <a:rPr lang="en-US" sz="3200" dirty="0" smtClean="0"/>
-              <a:t>  </a:t>
-            </a:r>
-            <a:r>
-              <a:rPr lang="en-US" sz="3200" dirty="0" smtClean="0"/>
-              <a:t>Joel Sands</a:t>
+              <a:t>  Joel Sands</a:t>
             </a:r>
             <a:r>
               <a:rPr lang="en-US" sz="3200" dirty="0"/>
@@ -5441,11 +5427,7 @@
             </a:r>
             <a:r>
               <a:rPr lang="en-US" sz="3200" dirty="0" smtClean="0"/>
-              <a:t>                                                      </a:t>
-            </a:r>
-            <a:r>
-              <a:rPr lang="en-US" sz="3200" dirty="0" smtClean="0"/>
-              <a:t>Natalie Lowell</a:t>
+              <a:t>                                                      Natalie Lowell</a:t>
             </a:r>
             <a:endParaRPr lang="en-US" sz="3200" dirty="0"/>
           </a:p>
@@ -5583,16 +5565,11 @@
               <a:rPr lang="en-US" dirty="0" smtClean="0"/>
               <a:t>Compare nutrition of selected meals</a:t>
             </a:r>
-            <a:endParaRPr lang="en-US" dirty="0" smtClean="0"/>
           </a:p>
           <a:p>
             <a:r>
               <a:rPr lang="en-US" dirty="0" smtClean="0"/>
-              <a:t>Quick, </a:t>
-            </a:r>
-            <a:r>
-              <a:rPr lang="en-US" dirty="0" smtClean="0"/>
-              <a:t>easy way to decide what restaurant and meal you choose!</a:t>
+              <a:t>Quick, easy way to decide what restaurant and meal you choose!</a:t>
             </a:r>
             <a:endParaRPr lang="en-US" dirty="0"/>
           </a:p>
@@ -5674,8 +5651,19 @@
           <a:p>
             <a:r>
               <a:rPr lang="en-US" dirty="0" smtClean="0"/>
-              <a:t>Created  larger, clearer paper pictures</a:t>
-            </a:r>
+              <a:t>Created  larger, clearer paper </a:t>
+            </a:r>
+            <a:r>
+              <a:rPr lang="en-US" dirty="0" smtClean="0"/>
+              <a:t>pictures</a:t>
+            </a:r>
+          </a:p>
+          <a:p>
+            <a:r>
+              <a:rPr lang="en-US" dirty="0" smtClean="0"/>
+              <a:t>Mobile prototype</a:t>
+            </a:r>
+            <a:endParaRPr lang="en-US" dirty="0" smtClean="0"/>
           </a:p>
           <a:p>
             <a:endParaRPr lang="en-US" dirty="0"/>
@@ -5781,7 +5769,6 @@
               <a:rPr lang="en-US" dirty="0" smtClean="0"/>
               <a:t>Thoroughly tested site usability (links)</a:t>
             </a:r>
-            <a:endParaRPr lang="en-US" dirty="0" smtClean="0"/>
           </a:p>
           <a:p>
             <a:endParaRPr lang="en-US" dirty="0"/>
@@ -5857,7 +5844,11 @@
           <a:bodyPr/>
           <a:lstStyle/>
           <a:p>
-            <a:endParaRPr lang="en-US"/>
+            <a:r>
+              <a:rPr lang="en-US" dirty="0" smtClean="0"/>
+              <a:t>Results</a:t>
+            </a:r>
+            <a:endParaRPr lang="en-US" dirty="0"/>
           </a:p>
         </p:txBody>
       </p:sp>
@@ -5871,19 +5862,52 @@
             <p:ph idx="1"/>
           </p:nvPr>
         </p:nvSpPr>
-        <p:spPr/>
+        <p:spPr>
+          <a:xfrm>
+            <a:off x="709963" y="2575152"/>
+            <a:ext cx="10554574" cy="3636511"/>
+          </a:xfrm>
+        </p:spPr>
         <p:txBody>
           <a:bodyPr/>
           <a:lstStyle/>
           <a:p>
-            <a:endParaRPr lang="en-US" dirty="0"/>
-          </a:p>
-        </p:txBody>
-      </p:sp>
+            <a:r>
+              <a:rPr lang="en-US" dirty="0" smtClean="0"/>
+              <a:t>4 new users</a:t>
+            </a:r>
+            <a:endParaRPr lang="en-US" dirty="0"/>
+          </a:p>
+        </p:txBody>
+      </p:sp>
+      <p:pic>
+        <p:nvPicPr>
+          <p:cNvPr id="4" name="Picture 3"/>
+          <p:cNvPicPr>
+            <a:picLocks noChangeAspect="1"/>
+          </p:cNvPicPr>
+          <p:nvPr/>
+        </p:nvPicPr>
+        <p:blipFill>
+          <a:blip r:embed="rId2"/>
+          <a:stretch>
+            <a:fillRect/>
+          </a:stretch>
+        </p:blipFill>
+        <p:spPr>
+          <a:xfrm>
+            <a:off x="8117983" y="2450307"/>
+            <a:ext cx="3657600" cy="1943100"/>
+          </a:xfrm>
+          <a:prstGeom prst="rect">
+            <a:avLst/>
+          </a:prstGeom>
+        </p:spPr>
+      </p:pic>
     </p:spTree>
     <p:extLst>
       <p:ext uri="{BB962C8B-B14F-4D97-AF65-F5344CB8AC3E}">
-        <p14:creationId xmlns:p14="http://schemas.microsoft.com/office/powerpoint/2010/main" val="2243635020"/>
+        <p14:creationId xmlns:p14="http://schemas.microsoft.com/office/powerpoint/2010/main" val="3573837720"/>
       </p:ext>
     </p:extLst>
   </p:cSld>
@@ -5927,7 +5951,7 @@
           <a:p>
             <a:r>
               <a:rPr lang="en-US" dirty="0" smtClean="0"/>
-              <a:t>Results</a:t>
+              <a:t>Facebook </a:t>
             </a:r>
             <a:endParaRPr lang="en-US" dirty="0"/>
           </a:p>
@@ -5943,24 +5967,22 @@
             <p:ph idx="1"/>
           </p:nvPr>
         </p:nvSpPr>
-        <p:spPr>
-          <a:xfrm>
-            <a:off x="709963" y="2575152"/>
-            <a:ext cx="10554574" cy="3636511"/>
-          </a:xfrm>
-        </p:spPr>
+        <p:spPr/>
         <p:txBody>
           <a:bodyPr/>
           <a:lstStyle/>
           <a:p>
-            <a:endParaRPr lang="en-US" dirty="0"/>
+            <a:r>
+              <a:rPr lang="en-US" dirty="0" smtClean="0"/>
+              <a:t>Deleted due to lack of value</a:t>
+            </a:r>
           </a:p>
         </p:txBody>
       </p:sp>
     </p:spTree>
     <p:extLst>
       <p:ext uri="{BB962C8B-B14F-4D97-AF65-F5344CB8AC3E}">
-        <p14:creationId xmlns:p14="http://schemas.microsoft.com/office/powerpoint/2010/main" val="3573837720"/>
+        <p14:creationId xmlns:p14="http://schemas.microsoft.com/office/powerpoint/2010/main" val="167739557"/>
       </p:ext>
     </p:extLst>
   </p:cSld>
@@ -6003,8 +6025,12 @@
           <a:lstStyle/>
           <a:p>
             <a:r>
+              <a:rPr lang="en-US" smtClean="0"/>
+              <a:t>Plan </a:t>
+            </a:r>
+            <a:r>
               <a:rPr lang="en-US" dirty="0" smtClean="0"/>
-              <a:t>Facebook </a:t>
+              <a:t>to improve</a:t>
             </a:r>
             <a:endParaRPr lang="en-US" dirty="0"/>
           </a:p>
@@ -6027,162 +6053,15 @@
           <a:p>
             <a:r>
               <a:rPr lang="en-US" dirty="0" smtClean="0"/>
-              <a:t>Deleted due to lack of value</a:t>
-            </a:r>
-            <a:endParaRPr lang="en-US" dirty="0" smtClean="0"/>
+              <a:t>Get feedback using prototype around campus</a:t>
+            </a:r>
           </a:p>
         </p:txBody>
       </p:sp>
     </p:spTree>
     <p:extLst>
       <p:ext uri="{BB962C8B-B14F-4D97-AF65-F5344CB8AC3E}">
-        <p14:creationId xmlns:p14="http://schemas.microsoft.com/office/powerpoint/2010/main" val="167739557"/>
-      </p:ext>
-    </p:extLst>
-  </p:cSld>
-  <p:clrMapOvr>
-    <a:masterClrMapping/>
-  </p:clrMapOvr>
-</p:sld>
-</file>
-
-<file path=ppt/slides/slide8.xml><?xml version="1.0" encoding="utf-8"?>
-<p:sld xmlns:a="http://schemas.openxmlformats.org/drawingml/2006/main" xmlns:r="http://schemas.openxmlformats.org/officeDocument/2006/relationships" xmlns:p="http://schemas.openxmlformats.org/presentationml/2006/main">
-  <p:cSld>
-    <p:spTree>
-      <p:nvGrpSpPr>
-        <p:cNvPr id="1" name=""/>
-        <p:cNvGrpSpPr/>
-        <p:nvPr/>
-      </p:nvGrpSpPr>
-      <p:grpSpPr>
-        <a:xfrm>
-          <a:off x="0" y="0"/>
-          <a:ext cx="0" cy="0"/>
-          <a:chOff x="0" y="0"/>
-          <a:chExt cx="0" cy="0"/>
-        </a:xfrm>
-      </p:grpSpPr>
-      <p:sp>
-        <p:nvSpPr>
-          <p:cNvPr id="2" name="Title 1"/>
-          <p:cNvSpPr>
-            <a:spLocks noGrp="1"/>
-          </p:cNvSpPr>
-          <p:nvPr>
-            <p:ph type="title"/>
-          </p:nvPr>
-        </p:nvSpPr>
-        <p:spPr/>
-        <p:txBody>
-          <a:bodyPr/>
-          <a:lstStyle/>
-          <a:p>
-            <a:r>
-              <a:rPr lang="en-US" dirty="0" smtClean="0"/>
-              <a:t>Plans to Improve</a:t>
-            </a:r>
-            <a:endParaRPr lang="en-US" dirty="0"/>
-          </a:p>
-        </p:txBody>
-      </p:sp>
-      <p:sp>
-        <p:nvSpPr>
-          <p:cNvPr id="3" name="Content Placeholder 2"/>
-          <p:cNvSpPr>
-            <a:spLocks noGrp="1"/>
-          </p:cNvSpPr>
-          <p:nvPr>
-            <p:ph idx="1"/>
-          </p:nvPr>
-        </p:nvSpPr>
-        <p:spPr/>
-        <p:txBody>
-          <a:bodyPr/>
-          <a:lstStyle/>
-          <a:p>
-            <a:endParaRPr lang="en-US" dirty="0" smtClean="0"/>
-          </a:p>
-          <a:p>
-            <a:pPr marL="0" indent="0">
-              <a:buNone/>
-            </a:pPr>
-            <a:endParaRPr lang="en-US" dirty="0"/>
-          </a:p>
-        </p:txBody>
-      </p:sp>
-    </p:spTree>
-    <p:extLst>
-      <p:ext uri="{BB962C8B-B14F-4D97-AF65-F5344CB8AC3E}">
-        <p14:creationId xmlns:p14="http://schemas.microsoft.com/office/powerpoint/2010/main" val="3138754888"/>
-      </p:ext>
-    </p:extLst>
-  </p:cSld>
-  <p:clrMapOvr>
-    <a:masterClrMapping/>
-  </p:clrMapOvr>
-</p:sld>
-</file>
-
-<file path=ppt/slides/slide9.xml><?xml version="1.0" encoding="utf-8"?>
-<p:sld xmlns:a="http://schemas.openxmlformats.org/drawingml/2006/main" xmlns:r="http://schemas.openxmlformats.org/officeDocument/2006/relationships" xmlns:p="http://schemas.openxmlformats.org/presentationml/2006/main">
-  <p:cSld>
-    <p:spTree>
-      <p:nvGrpSpPr>
-        <p:cNvPr id="1" name=""/>
-        <p:cNvGrpSpPr/>
-        <p:nvPr/>
-      </p:nvGrpSpPr>
-      <p:grpSpPr>
-        <a:xfrm>
-          <a:off x="0" y="0"/>
-          <a:ext cx="0" cy="0"/>
-          <a:chOff x="0" y="0"/>
-          <a:chExt cx="0" cy="0"/>
-        </a:xfrm>
-      </p:grpSpPr>
-      <p:sp>
-        <p:nvSpPr>
-          <p:cNvPr id="2" name="Title 1"/>
-          <p:cNvSpPr>
-            <a:spLocks noGrp="1"/>
-          </p:cNvSpPr>
-          <p:nvPr>
-            <p:ph type="title"/>
-          </p:nvPr>
-        </p:nvSpPr>
-        <p:spPr/>
-        <p:txBody>
-          <a:bodyPr/>
-          <a:lstStyle/>
-          <a:p>
-            <a:endParaRPr lang="en-US" dirty="0"/>
-          </a:p>
-        </p:txBody>
-      </p:sp>
-      <p:sp>
-        <p:nvSpPr>
-          <p:cNvPr id="3" name="Content Placeholder 2"/>
-          <p:cNvSpPr>
-            <a:spLocks noGrp="1"/>
-          </p:cNvSpPr>
-          <p:nvPr>
-            <p:ph idx="1"/>
-          </p:nvPr>
-        </p:nvSpPr>
-        <p:spPr/>
-        <p:txBody>
-          <a:bodyPr/>
-          <a:lstStyle/>
-          <a:p>
-            <a:endParaRPr lang="en-US"/>
-          </a:p>
-        </p:txBody>
-      </p:sp>
-    </p:spTree>
-    <p:extLst>
-      <p:ext uri="{BB962C8B-B14F-4D97-AF65-F5344CB8AC3E}">
-        <p14:creationId xmlns:p14="http://schemas.microsoft.com/office/powerpoint/2010/main" val="2545436365"/>
+        <p14:creationId xmlns:p14="http://schemas.microsoft.com/office/powerpoint/2010/main" val="758234821"/>
       </p:ext>
     </p:extLst>
   </p:cSld>
